--- a/assets/Planning/0_C_StreeT___.pptx
+++ b/assets/Planning/0_C_StreeT___.pptx
@@ -242,7 +242,7 @@
           <a:p>
             <a:fld id="{FD0BE87A-025A-45D7-8E71-37F4340729C0}" type="datetimeFigureOut">
               <a:rPr lang="ko-KR" altLang="en-US" smtClean="0"/>
-              <a:t>2020-08-30</a:t>
+              <a:t>2020-09-01</a:t>
             </a:fld>
             <a:endParaRPr lang="ko-KR" altLang="en-US"/>
           </a:p>
@@ -2341,7 +2341,7 @@
           <a:p>
             <a:fld id="{5CE0D25B-CDBD-4949-AF90-4326CAB36ABE}" type="datetimeFigureOut">
               <a:rPr lang="ko-KR" altLang="en-US" smtClean="0"/>
-              <a:t>2020-08-30</a:t>
+              <a:t>2020-09-01</a:t>
             </a:fld>
             <a:endParaRPr lang="ko-KR" altLang="en-US"/>
           </a:p>
@@ -2539,7 +2539,7 @@
           <a:p>
             <a:fld id="{5CE0D25B-CDBD-4949-AF90-4326CAB36ABE}" type="datetimeFigureOut">
               <a:rPr lang="ko-KR" altLang="en-US" smtClean="0"/>
-              <a:t>2020-08-30</a:t>
+              <a:t>2020-09-01</a:t>
             </a:fld>
             <a:endParaRPr lang="ko-KR" altLang="en-US"/>
           </a:p>
@@ -2747,7 +2747,7 @@
           <a:p>
             <a:fld id="{5CE0D25B-CDBD-4949-AF90-4326CAB36ABE}" type="datetimeFigureOut">
               <a:rPr lang="ko-KR" altLang="en-US" smtClean="0"/>
-              <a:t>2020-08-30</a:t>
+              <a:t>2020-09-01</a:t>
             </a:fld>
             <a:endParaRPr lang="ko-KR" altLang="en-US"/>
           </a:p>
@@ -2945,7 +2945,7 @@
           <a:p>
             <a:fld id="{5CE0D25B-CDBD-4949-AF90-4326CAB36ABE}" type="datetimeFigureOut">
               <a:rPr lang="ko-KR" altLang="en-US" smtClean="0"/>
-              <a:t>2020-08-30</a:t>
+              <a:t>2020-09-01</a:t>
             </a:fld>
             <a:endParaRPr lang="ko-KR" altLang="en-US"/>
           </a:p>
@@ -3220,7 +3220,7 @@
           <a:p>
             <a:fld id="{5CE0D25B-CDBD-4949-AF90-4326CAB36ABE}" type="datetimeFigureOut">
               <a:rPr lang="ko-KR" altLang="en-US" smtClean="0"/>
-              <a:t>2020-08-30</a:t>
+              <a:t>2020-09-01</a:t>
             </a:fld>
             <a:endParaRPr lang="ko-KR" altLang="en-US"/>
           </a:p>
@@ -3485,7 +3485,7 @@
           <a:p>
             <a:fld id="{5CE0D25B-CDBD-4949-AF90-4326CAB36ABE}" type="datetimeFigureOut">
               <a:rPr lang="ko-KR" altLang="en-US" smtClean="0"/>
-              <a:t>2020-08-30</a:t>
+              <a:t>2020-09-01</a:t>
             </a:fld>
             <a:endParaRPr lang="ko-KR" altLang="en-US"/>
           </a:p>
@@ -3897,7 +3897,7 @@
           <a:p>
             <a:fld id="{5CE0D25B-CDBD-4949-AF90-4326CAB36ABE}" type="datetimeFigureOut">
               <a:rPr lang="ko-KR" altLang="en-US" smtClean="0"/>
-              <a:t>2020-08-30</a:t>
+              <a:t>2020-09-01</a:t>
             </a:fld>
             <a:endParaRPr lang="ko-KR" altLang="en-US"/>
           </a:p>
@@ -4038,7 +4038,7 @@
           <a:p>
             <a:fld id="{5CE0D25B-CDBD-4949-AF90-4326CAB36ABE}" type="datetimeFigureOut">
               <a:rPr lang="ko-KR" altLang="en-US" smtClean="0"/>
-              <a:t>2020-08-30</a:t>
+              <a:t>2020-09-01</a:t>
             </a:fld>
             <a:endParaRPr lang="ko-KR" altLang="en-US"/>
           </a:p>
@@ -4151,7 +4151,7 @@
           <a:p>
             <a:fld id="{5CE0D25B-CDBD-4949-AF90-4326CAB36ABE}" type="datetimeFigureOut">
               <a:rPr lang="ko-KR" altLang="en-US" smtClean="0"/>
-              <a:t>2020-08-30</a:t>
+              <a:t>2020-09-01</a:t>
             </a:fld>
             <a:endParaRPr lang="ko-KR" altLang="en-US"/>
           </a:p>
@@ -4462,7 +4462,7 @@
           <a:p>
             <a:fld id="{5CE0D25B-CDBD-4949-AF90-4326CAB36ABE}" type="datetimeFigureOut">
               <a:rPr lang="ko-KR" altLang="en-US" smtClean="0"/>
-              <a:t>2020-08-30</a:t>
+              <a:t>2020-09-01</a:t>
             </a:fld>
             <a:endParaRPr lang="ko-KR" altLang="en-US"/>
           </a:p>
@@ -4750,7 +4750,7 @@
           <a:p>
             <a:fld id="{5CE0D25B-CDBD-4949-AF90-4326CAB36ABE}" type="datetimeFigureOut">
               <a:rPr lang="ko-KR" altLang="en-US" smtClean="0"/>
-              <a:t>2020-08-30</a:t>
+              <a:t>2020-09-01</a:t>
             </a:fld>
             <a:endParaRPr lang="ko-KR" altLang="en-US"/>
           </a:p>
@@ -4991,7 +4991,7 @@
           <a:p>
             <a:fld id="{5CE0D25B-CDBD-4949-AF90-4326CAB36ABE}" type="datetimeFigureOut">
               <a:rPr lang="ko-KR" altLang="en-US" smtClean="0"/>
-              <a:t>2020-08-30</a:t>
+              <a:t>2020-09-01</a:t>
             </a:fld>
             <a:endParaRPr lang="ko-KR" altLang="en-US"/>
           </a:p>
@@ -9055,10 +9055,9 @@
           <a:p>
             <a:pPr algn="ctr"/>
             <a:r>
-              <a:rPr lang="ko-KR" altLang="en-US"/>
+              <a:rPr lang="ko-KR" altLang="en-US" dirty="0"/>
               <a:t>전화번호입력</a:t>
             </a:r>
-            <a:endParaRPr lang="ko-KR" altLang="en-US" dirty="0"/>
           </a:p>
         </p:txBody>
       </p:sp>
@@ -13697,8 +13696,8 @@
         </p:nvSpPr>
         <p:spPr>
           <a:xfrm>
-            <a:off x="5011838" y="532435"/>
-            <a:ext cx="2326495" cy="615028"/>
+            <a:off x="5578156" y="891834"/>
+            <a:ext cx="1193859" cy="347167"/>
           </a:xfrm>
           <a:prstGeom prst="rect">
             <a:avLst/>
@@ -13736,55 +13735,6 @@
             <a:r>
               <a:rPr lang="ko-KR" altLang="en-US" dirty="0"/>
               <a:t>홈</a:t>
-            </a:r>
-          </a:p>
-        </p:txBody>
-      </p:sp>
-      <p:sp>
-        <p:nvSpPr>
-          <p:cNvPr id="4" name="직사각형 3">
-            <a:extLst>
-              <a:ext uri="{FF2B5EF4-FFF2-40B4-BE49-F238E27FC236}">
-                <a16:creationId xmlns:a16="http://schemas.microsoft.com/office/drawing/2014/main" id="{0ADB7087-91DD-429A-87F5-F0E66AAAD62E}"/>
-              </a:ext>
-            </a:extLst>
-          </p:cNvPr>
-          <p:cNvSpPr/>
-          <p:nvPr/>
-        </p:nvSpPr>
-        <p:spPr>
-          <a:xfrm>
-            <a:off x="331681" y="2071535"/>
-            <a:ext cx="624068" cy="347167"/>
-          </a:xfrm>
-          <a:prstGeom prst="rect">
-            <a:avLst/>
-          </a:prstGeom>
-        </p:spPr>
-        <p:style>
-          <a:lnRef idx="2">
-            <a:schemeClr val="accent3">
-              <a:shade val="50000"/>
-            </a:schemeClr>
-          </a:lnRef>
-          <a:fillRef idx="1">
-            <a:schemeClr val="accent3"/>
-          </a:fillRef>
-          <a:effectRef idx="0">
-            <a:schemeClr val="accent3"/>
-          </a:effectRef>
-          <a:fontRef idx="minor">
-            <a:schemeClr val="lt1"/>
-          </a:fontRef>
-        </p:style>
-        <p:txBody>
-          <a:bodyPr rtlCol="0" anchor="ctr"/>
-          <a:lstStyle/>
-          <a:p>
-            <a:pPr algn="ctr"/>
-            <a:r>
-              <a:rPr lang="ko-KR" altLang="en-US" sz="1000" dirty="0"/>
-              <a:t>알림</a:t>
             </a:r>
           </a:p>
         </p:txBody>
@@ -13873,75 +13823,28 @@
       </p:sp>
       <p:cxnSp>
         <p:nvCxnSpPr>
-          <p:cNvPr id="23" name="연결선: 꺾임 22">
-            <a:extLst>
-              <a:ext uri="{FF2B5EF4-FFF2-40B4-BE49-F238E27FC236}">
-                <a16:creationId xmlns:a16="http://schemas.microsoft.com/office/drawing/2014/main" id="{9C760DA4-AE70-4E6D-B6C9-EAC409E7EBA7}"/>
+          <p:cNvPr id="28" name="연결선: 꺾임 27">
+            <a:extLst>
+              <a:ext uri="{FF2B5EF4-FFF2-40B4-BE49-F238E27FC236}">
+                <a16:creationId xmlns:a16="http://schemas.microsoft.com/office/drawing/2014/main" id="{01150745-41B2-4A77-8F88-5A1597E35464}"/>
               </a:ext>
             </a:extLst>
           </p:cNvPr>
           <p:cNvCxnSpPr>
             <a:cxnSpLocks/>
-            <a:stCxn id="2" idx="1"/>
-            <a:endCxn id="3" idx="0"/>
-          </p:cNvCxnSpPr>
-          <p:nvPr/>
-        </p:nvCxnSpPr>
-        <p:spPr>
-          <a:xfrm rot="10800000" flipV="1">
-            <a:off x="4163816" y="839948"/>
-            <a:ext cx="848022" cy="309239"/>
-          </a:xfrm>
-          <a:prstGeom prst="bentConnector2">
-            <a:avLst/>
-          </a:prstGeom>
-          <a:ln>
-            <a:solidFill>
-              <a:schemeClr val="accent1">
-                <a:lumMod val="75000"/>
-              </a:schemeClr>
-            </a:solidFill>
-            <a:tailEnd type="triangle"/>
-          </a:ln>
-        </p:spPr>
-        <p:style>
-          <a:lnRef idx="1">
-            <a:schemeClr val="accent1"/>
-          </a:lnRef>
-          <a:fillRef idx="0">
-            <a:schemeClr val="accent1"/>
-          </a:fillRef>
-          <a:effectRef idx="0">
-            <a:schemeClr val="accent1"/>
-          </a:effectRef>
-          <a:fontRef idx="minor">
-            <a:schemeClr val="tx1"/>
-          </a:fontRef>
-        </p:style>
-      </p:cxnSp>
-      <p:cxnSp>
-        <p:nvCxnSpPr>
-          <p:cNvPr id="28" name="연결선: 꺾임 27">
-            <a:extLst>
-              <a:ext uri="{FF2B5EF4-FFF2-40B4-BE49-F238E27FC236}">
-                <a16:creationId xmlns:a16="http://schemas.microsoft.com/office/drawing/2014/main" id="{01150745-41B2-4A77-8F88-5A1597E35464}"/>
-              </a:ext>
-            </a:extLst>
-          </p:cNvPr>
-          <p:cNvCxnSpPr>
             <a:stCxn id="2" idx="2"/>
-            <a:endCxn id="4" idx="0"/>
+            <a:endCxn id="144" idx="0"/>
           </p:cNvCxnSpPr>
           <p:nvPr/>
         </p:nvCxnSpPr>
         <p:spPr>
           <a:xfrm rot="5400000">
-            <a:off x="2947365" y="-1156186"/>
-            <a:ext cx="924072" cy="5531371"/>
+            <a:off x="3034363" y="-1007024"/>
+            <a:ext cx="894699" cy="5386749"/>
           </a:xfrm>
           <a:prstGeom prst="bentConnector3">
             <a:avLst>
-              <a:gd name="adj1" fmla="val 60995"/>
+              <a:gd name="adj1" fmla="val 14999"/>
             </a:avLst>
           </a:prstGeom>
           <a:ln>
@@ -13986,8 +13889,8 @@
         </p:nvCxnSpPr>
         <p:spPr>
           <a:xfrm rot="5400000">
-            <a:off x="3904050" y="-188965"/>
-            <a:ext cx="934608" cy="3607464"/>
+            <a:off x="4139963" y="34422"/>
+            <a:ext cx="830544" cy="3239702"/>
           </a:xfrm>
           <a:prstGeom prst="bentConnector3">
             <a:avLst/>
@@ -14083,12 +13986,12 @@
         </p:nvCxnSpPr>
         <p:spPr>
           <a:xfrm rot="5400000">
-            <a:off x="5079958" y="970919"/>
-            <a:ext cx="918584" cy="1271673"/>
+            <a:off x="5125727" y="1016688"/>
+            <a:ext cx="827046" cy="1271673"/>
           </a:xfrm>
           <a:prstGeom prst="bentConnector3">
             <a:avLst>
-              <a:gd name="adj1" fmla="val 75808"/>
+              <a:gd name="adj1" fmla="val 50000"/>
             </a:avLst>
           </a:prstGeom>
           <a:ln>
@@ -14182,12 +14085,12 @@
         </p:nvCxnSpPr>
         <p:spPr>
           <a:xfrm rot="16200000" flipH="1">
-            <a:off x="6004656" y="1317892"/>
-            <a:ext cx="918809" cy="577949"/>
+            <a:off x="6050425" y="1363661"/>
+            <a:ext cx="827271" cy="577949"/>
           </a:xfrm>
           <a:prstGeom prst="bentConnector3">
             <a:avLst>
-              <a:gd name="adj1" fmla="val 84402"/>
+              <a:gd name="adj1" fmla="val 50000"/>
             </a:avLst>
           </a:prstGeom>
           <a:ln>
@@ -14281,12 +14184,12 @@
         </p:nvCxnSpPr>
         <p:spPr>
           <a:xfrm rot="16200000" flipH="1">
-            <a:off x="7289363" y="33186"/>
-            <a:ext cx="921906" cy="3150460"/>
+            <a:off x="7335132" y="78955"/>
+            <a:ext cx="830368" cy="3150460"/>
           </a:xfrm>
           <a:prstGeom prst="bentConnector3">
             <a:avLst>
-              <a:gd name="adj1" fmla="val 41428"/>
+              <a:gd name="adj1" fmla="val 50000"/>
             </a:avLst>
           </a:prstGeom>
           <a:ln>
@@ -14313,208 +14216,12 @@
           </a:fontRef>
         </p:style>
       </p:cxnSp>
-      <p:grpSp>
-        <p:nvGrpSpPr>
-          <p:cNvPr id="310" name="그룹 309">
-            <a:extLst>
-              <a:ext uri="{FF2B5EF4-FFF2-40B4-BE49-F238E27FC236}">
-                <a16:creationId xmlns:a16="http://schemas.microsoft.com/office/drawing/2014/main" id="{3F019343-D172-4593-829C-92E8BBE8BF59}"/>
-              </a:ext>
-            </a:extLst>
-          </p:cNvPr>
-          <p:cNvGrpSpPr/>
-          <p:nvPr/>
-        </p:nvGrpSpPr>
-        <p:grpSpPr>
-          <a:xfrm>
-            <a:off x="3905936" y="1149188"/>
-            <a:ext cx="515759" cy="381884"/>
-            <a:chOff x="466473" y="1716093"/>
-            <a:chExt cx="515759" cy="381884"/>
-          </a:xfrm>
-        </p:grpSpPr>
-        <p:sp>
-          <p:nvSpPr>
-            <p:cNvPr id="3" name="직사각형 2">
-              <a:extLst>
-                <a:ext uri="{FF2B5EF4-FFF2-40B4-BE49-F238E27FC236}">
-                  <a16:creationId xmlns:a16="http://schemas.microsoft.com/office/drawing/2014/main" id="{3AA3AFCC-16F6-4F8D-83CD-9045EBB3CF88}"/>
-                </a:ext>
-              </a:extLst>
-            </p:cNvPr>
-            <p:cNvSpPr/>
-            <p:nvPr/>
-          </p:nvSpPr>
-          <p:spPr>
-            <a:xfrm>
-              <a:off x="466473" y="1716093"/>
-              <a:ext cx="515759" cy="381884"/>
-            </a:xfrm>
-            <a:prstGeom prst="rect">
-              <a:avLst/>
-            </a:prstGeom>
-          </p:spPr>
-          <p:style>
-            <a:lnRef idx="2">
-              <a:schemeClr val="accent3">
-                <a:shade val="50000"/>
-              </a:schemeClr>
-            </a:lnRef>
-            <a:fillRef idx="1">
-              <a:schemeClr val="accent3"/>
-            </a:fillRef>
-            <a:effectRef idx="0">
-              <a:schemeClr val="accent3"/>
-            </a:effectRef>
-            <a:fontRef idx="minor">
-              <a:schemeClr val="lt1"/>
-            </a:fontRef>
-          </p:style>
-          <p:txBody>
-            <a:bodyPr rtlCol="0" anchor="ctr"/>
-            <a:lstStyle/>
-            <a:p>
-              <a:pPr algn="ctr"/>
-              <a:endParaRPr lang="ko-KR" altLang="en-US" dirty="0"/>
-            </a:p>
-          </p:txBody>
-        </p:sp>
-        <p:grpSp>
-          <p:nvGrpSpPr>
-            <p:cNvPr id="39" name="그룹 38">
-              <a:extLst>
-                <a:ext uri="{FF2B5EF4-FFF2-40B4-BE49-F238E27FC236}">
-                  <a16:creationId xmlns:a16="http://schemas.microsoft.com/office/drawing/2014/main" id="{3E79DAEC-973F-4DD9-B459-501AD4E07F69}"/>
-                </a:ext>
-              </a:extLst>
-            </p:cNvPr>
-            <p:cNvGrpSpPr/>
-            <p:nvPr/>
-          </p:nvGrpSpPr>
-          <p:grpSpPr>
-            <a:xfrm>
-              <a:off x="653967" y="1849549"/>
-              <a:ext cx="140770" cy="132080"/>
-              <a:chOff x="9265920" y="2011680"/>
-              <a:chExt cx="640080" cy="304800"/>
-            </a:xfrm>
-          </p:grpSpPr>
-          <p:cxnSp>
-            <p:nvCxnSpPr>
-              <p:cNvPr id="40" name="직선 연결선 39">
-                <a:extLst>
-                  <a:ext uri="{FF2B5EF4-FFF2-40B4-BE49-F238E27FC236}">
-                    <a16:creationId xmlns:a16="http://schemas.microsoft.com/office/drawing/2014/main" id="{2F16681F-41CD-4B33-903A-3CC4E3E9AB86}"/>
-                  </a:ext>
-                </a:extLst>
-              </p:cNvPr>
-              <p:cNvCxnSpPr/>
-              <p:nvPr/>
-            </p:nvCxnSpPr>
-            <p:spPr>
-              <a:xfrm>
-                <a:off x="9277234" y="2011680"/>
-                <a:ext cx="581891" cy="0"/>
-              </a:xfrm>
-              <a:prstGeom prst="line">
-                <a:avLst/>
-              </a:prstGeom>
-            </p:spPr>
-            <p:style>
-              <a:lnRef idx="1">
-                <a:schemeClr val="dk1"/>
-              </a:lnRef>
-              <a:fillRef idx="0">
-                <a:schemeClr val="dk1"/>
-              </a:fillRef>
-              <a:effectRef idx="0">
-                <a:schemeClr val="dk1"/>
-              </a:effectRef>
-              <a:fontRef idx="minor">
-                <a:schemeClr val="tx1"/>
-              </a:fontRef>
-            </p:style>
-          </p:cxnSp>
-          <p:cxnSp>
-            <p:nvCxnSpPr>
-              <p:cNvPr id="41" name="직선 연결선 40">
-                <a:extLst>
-                  <a:ext uri="{FF2B5EF4-FFF2-40B4-BE49-F238E27FC236}">
-                    <a16:creationId xmlns:a16="http://schemas.microsoft.com/office/drawing/2014/main" id="{2ACF65FD-58E3-4FA9-835C-1BF10066818F}"/>
-                  </a:ext>
-                </a:extLst>
-              </p:cNvPr>
-              <p:cNvCxnSpPr/>
-              <p:nvPr/>
-            </p:nvCxnSpPr>
-            <p:spPr>
-              <a:xfrm>
-                <a:off x="9268125" y="2159001"/>
-                <a:ext cx="528992" cy="0"/>
-              </a:xfrm>
-              <a:prstGeom prst="line">
-                <a:avLst/>
-              </a:prstGeom>
-            </p:spPr>
-            <p:style>
-              <a:lnRef idx="1">
-                <a:schemeClr val="dk1"/>
-              </a:lnRef>
-              <a:fillRef idx="0">
-                <a:schemeClr val="dk1"/>
-              </a:fillRef>
-              <a:effectRef idx="0">
-                <a:schemeClr val="dk1"/>
-              </a:effectRef>
-              <a:fontRef idx="minor">
-                <a:schemeClr val="tx1"/>
-              </a:fontRef>
-            </p:style>
-          </p:cxnSp>
-          <p:cxnSp>
-            <p:nvCxnSpPr>
-              <p:cNvPr id="42" name="직선 연결선 41">
-                <a:extLst>
-                  <a:ext uri="{FF2B5EF4-FFF2-40B4-BE49-F238E27FC236}">
-                    <a16:creationId xmlns:a16="http://schemas.microsoft.com/office/drawing/2014/main" id="{D941F0F2-61F1-4628-9F5F-936FF1CB359A}"/>
-                  </a:ext>
-                </a:extLst>
-              </p:cNvPr>
-              <p:cNvCxnSpPr/>
-              <p:nvPr/>
-            </p:nvCxnSpPr>
-            <p:spPr>
-              <a:xfrm>
-                <a:off x="9265920" y="2316480"/>
-                <a:ext cx="640080" cy="0"/>
-              </a:xfrm>
-              <a:prstGeom prst="line">
-                <a:avLst/>
-              </a:prstGeom>
-            </p:spPr>
-            <p:style>
-              <a:lnRef idx="1">
-                <a:schemeClr val="dk1"/>
-              </a:lnRef>
-              <a:fillRef idx="0">
-                <a:schemeClr val="dk1"/>
-              </a:fillRef>
-              <a:effectRef idx="0">
-                <a:schemeClr val="dk1"/>
-              </a:effectRef>
-              <a:fontRef idx="minor">
-                <a:schemeClr val="tx1"/>
-              </a:fontRef>
-            </p:style>
-          </p:cxnSp>
-        </p:grpSp>
-      </p:grpSp>
       <p:sp>
         <p:nvSpPr>
-          <p:cNvPr id="95" name="직사각형 94">
-            <a:extLst>
-              <a:ext uri="{FF2B5EF4-FFF2-40B4-BE49-F238E27FC236}">
-                <a16:creationId xmlns:a16="http://schemas.microsoft.com/office/drawing/2014/main" id="{0089732E-02D3-496F-B409-5FB6125D5C03}"/>
+          <p:cNvPr id="5" name="직사각형 4">
+            <a:extLst>
+              <a:ext uri="{FF2B5EF4-FFF2-40B4-BE49-F238E27FC236}">
+                <a16:creationId xmlns:a16="http://schemas.microsoft.com/office/drawing/2014/main" id="{C19570F6-E099-4754-847D-20840ACB1EA9}"/>
               </a:ext>
             </a:extLst>
           </p:cNvPr>
@@ -14523,8 +14230,8 @@
         </p:nvSpPr>
         <p:spPr>
           <a:xfrm>
-            <a:off x="228397" y="2955314"/>
-            <a:ext cx="830635" cy="315606"/>
+            <a:off x="2407665" y="2069545"/>
+            <a:ext cx="1055438" cy="336631"/>
           </a:xfrm>
           <a:prstGeom prst="rect">
             <a:avLst/>
@@ -14553,469 +14260,6 @@
             <a:pPr algn="ctr"/>
             <a:r>
               <a:rPr lang="ko-KR" altLang="en-US" sz="1000" dirty="0"/>
-              <a:t>알림 목록</a:t>
-            </a:r>
-          </a:p>
-        </p:txBody>
-      </p:sp>
-      <p:sp>
-        <p:nvSpPr>
-          <p:cNvPr id="97" name="직사각형 96">
-            <a:extLst>
-              <a:ext uri="{FF2B5EF4-FFF2-40B4-BE49-F238E27FC236}">
-                <a16:creationId xmlns:a16="http://schemas.microsoft.com/office/drawing/2014/main" id="{8D84C2BA-CFFA-415F-96A9-F16EF7DDEEDB}"/>
-              </a:ext>
-            </a:extLst>
-          </p:cNvPr>
-          <p:cNvSpPr/>
-          <p:nvPr/>
-        </p:nvSpPr>
-        <p:spPr>
-          <a:xfrm>
-            <a:off x="228397" y="3764843"/>
-            <a:ext cx="830635" cy="347167"/>
-          </a:xfrm>
-          <a:prstGeom prst="rect">
-            <a:avLst/>
-          </a:prstGeom>
-        </p:spPr>
-        <p:style>
-          <a:lnRef idx="2">
-            <a:schemeClr val="accent3">
-              <a:shade val="50000"/>
-            </a:schemeClr>
-          </a:lnRef>
-          <a:fillRef idx="1">
-            <a:schemeClr val="accent3"/>
-          </a:fillRef>
-          <a:effectRef idx="0">
-            <a:schemeClr val="accent3"/>
-          </a:effectRef>
-          <a:fontRef idx="minor">
-            <a:schemeClr val="lt1"/>
-          </a:fontRef>
-        </p:style>
-        <p:txBody>
-          <a:bodyPr rtlCol="0" anchor="ctr"/>
-          <a:lstStyle/>
-          <a:p>
-            <a:pPr algn="ctr"/>
-            <a:r>
-              <a:rPr lang="ko-KR" altLang="en-US" sz="1000" dirty="0"/>
-              <a:t>알림 상세</a:t>
-            </a:r>
-          </a:p>
-        </p:txBody>
-      </p:sp>
-      <p:cxnSp>
-        <p:nvCxnSpPr>
-          <p:cNvPr id="158" name="연결선: 구부러짐 157">
-            <a:extLst>
-              <a:ext uri="{FF2B5EF4-FFF2-40B4-BE49-F238E27FC236}">
-                <a16:creationId xmlns:a16="http://schemas.microsoft.com/office/drawing/2014/main" id="{EE3034BA-6B24-4D28-B2AF-A92207B93489}"/>
-              </a:ext>
-            </a:extLst>
-          </p:cNvPr>
-          <p:cNvCxnSpPr>
-            <a:stCxn id="97" idx="3"/>
-            <a:endCxn id="95" idx="3"/>
-          </p:cNvCxnSpPr>
-          <p:nvPr/>
-        </p:nvCxnSpPr>
-        <p:spPr>
-          <a:xfrm flipV="1">
-            <a:off x="1059032" y="3113117"/>
-            <a:ext cx="12700" cy="825310"/>
-          </a:xfrm>
-          <a:prstGeom prst="curvedConnector3">
-            <a:avLst>
-              <a:gd name="adj1" fmla="val 1800000"/>
-            </a:avLst>
-          </a:prstGeom>
-          <a:ln>
-            <a:solidFill>
-              <a:schemeClr val="accent1">
-                <a:lumMod val="75000"/>
-              </a:schemeClr>
-            </a:solidFill>
-            <a:tailEnd type="triangle"/>
-          </a:ln>
-        </p:spPr>
-        <p:style>
-          <a:lnRef idx="1">
-            <a:schemeClr val="accent1"/>
-          </a:lnRef>
-          <a:fillRef idx="0">
-            <a:schemeClr val="accent1"/>
-          </a:fillRef>
-          <a:effectRef idx="0">
-            <a:schemeClr val="accent1"/>
-          </a:effectRef>
-          <a:fontRef idx="minor">
-            <a:schemeClr val="tx1"/>
-          </a:fontRef>
-        </p:style>
-      </p:cxnSp>
-      <p:cxnSp>
-        <p:nvCxnSpPr>
-          <p:cNvPr id="160" name="직선 화살표 연결선 159">
-            <a:extLst>
-              <a:ext uri="{FF2B5EF4-FFF2-40B4-BE49-F238E27FC236}">
-                <a16:creationId xmlns:a16="http://schemas.microsoft.com/office/drawing/2014/main" id="{F20E2C24-CE5C-4376-99B1-A64EE1EDD52C}"/>
-              </a:ext>
-            </a:extLst>
-          </p:cNvPr>
-          <p:cNvCxnSpPr>
-            <a:cxnSpLocks/>
-            <a:stCxn id="4" idx="2"/>
-            <a:endCxn id="95" idx="0"/>
-          </p:cNvCxnSpPr>
-          <p:nvPr/>
-        </p:nvCxnSpPr>
-        <p:spPr>
-          <a:xfrm>
-            <a:off x="643715" y="2418702"/>
-            <a:ext cx="0" cy="536612"/>
-          </a:xfrm>
-          <a:prstGeom prst="straightConnector1">
-            <a:avLst/>
-          </a:prstGeom>
-          <a:ln>
-            <a:tailEnd type="triangle"/>
-          </a:ln>
-        </p:spPr>
-        <p:style>
-          <a:lnRef idx="1">
-            <a:schemeClr val="accent1"/>
-          </a:lnRef>
-          <a:fillRef idx="0">
-            <a:schemeClr val="accent1"/>
-          </a:fillRef>
-          <a:effectRef idx="0">
-            <a:schemeClr val="accent1"/>
-          </a:effectRef>
-          <a:fontRef idx="minor">
-            <a:schemeClr val="tx1"/>
-          </a:fontRef>
-        </p:style>
-      </p:cxnSp>
-      <p:cxnSp>
-        <p:nvCxnSpPr>
-          <p:cNvPr id="161" name="직선 화살표 연결선 160">
-            <a:extLst>
-              <a:ext uri="{FF2B5EF4-FFF2-40B4-BE49-F238E27FC236}">
-                <a16:creationId xmlns:a16="http://schemas.microsoft.com/office/drawing/2014/main" id="{4C2B2F64-A70F-4BD8-9CD5-B7D71385EE7A}"/>
-              </a:ext>
-            </a:extLst>
-          </p:cNvPr>
-          <p:cNvCxnSpPr>
-            <a:cxnSpLocks/>
-            <a:stCxn id="95" idx="2"/>
-            <a:endCxn id="97" idx="0"/>
-          </p:cNvCxnSpPr>
-          <p:nvPr/>
-        </p:nvCxnSpPr>
-        <p:spPr>
-          <a:xfrm>
-            <a:off x="643715" y="3270920"/>
-            <a:ext cx="0" cy="493923"/>
-          </a:xfrm>
-          <a:prstGeom prst="straightConnector1">
-            <a:avLst/>
-          </a:prstGeom>
-          <a:ln>
-            <a:tailEnd type="triangle"/>
-          </a:ln>
-        </p:spPr>
-        <p:style>
-          <a:lnRef idx="1">
-            <a:schemeClr val="accent1"/>
-          </a:lnRef>
-          <a:fillRef idx="0">
-            <a:schemeClr val="accent1"/>
-          </a:fillRef>
-          <a:effectRef idx="0">
-            <a:schemeClr val="accent1"/>
-          </a:effectRef>
-          <a:fontRef idx="minor">
-            <a:schemeClr val="tx1"/>
-          </a:fontRef>
-        </p:style>
-      </p:cxnSp>
-      <p:cxnSp>
-        <p:nvCxnSpPr>
-          <p:cNvPr id="164" name="연결선: 구부러짐 163">
-            <a:extLst>
-              <a:ext uri="{FF2B5EF4-FFF2-40B4-BE49-F238E27FC236}">
-                <a16:creationId xmlns:a16="http://schemas.microsoft.com/office/drawing/2014/main" id="{B5C6C7F6-7AD5-4DE9-B72D-34904CEED2D5}"/>
-              </a:ext>
-            </a:extLst>
-          </p:cNvPr>
-          <p:cNvCxnSpPr>
-            <a:stCxn id="95" idx="3"/>
-            <a:endCxn id="4" idx="3"/>
-          </p:cNvCxnSpPr>
-          <p:nvPr/>
-        </p:nvCxnSpPr>
-        <p:spPr>
-          <a:xfrm flipH="1" flipV="1">
-            <a:off x="955749" y="2245119"/>
-            <a:ext cx="103283" cy="867998"/>
-          </a:xfrm>
-          <a:prstGeom prst="curvedConnector3">
-            <a:avLst>
-              <a:gd name="adj1" fmla="val -221334"/>
-            </a:avLst>
-          </a:prstGeom>
-          <a:ln>
-            <a:tailEnd type="triangle"/>
-          </a:ln>
-        </p:spPr>
-        <p:style>
-          <a:lnRef idx="1">
-            <a:schemeClr val="accent1"/>
-          </a:lnRef>
-          <a:fillRef idx="0">
-            <a:schemeClr val="accent1"/>
-          </a:fillRef>
-          <a:effectRef idx="0">
-            <a:schemeClr val="accent1"/>
-          </a:effectRef>
-          <a:fontRef idx="minor">
-            <a:schemeClr val="tx1"/>
-          </a:fontRef>
-        </p:style>
-      </p:cxnSp>
-      <p:sp>
-        <p:nvSpPr>
-          <p:cNvPr id="176" name="직사각형 175">
-            <a:extLst>
-              <a:ext uri="{FF2B5EF4-FFF2-40B4-BE49-F238E27FC236}">
-                <a16:creationId xmlns:a16="http://schemas.microsoft.com/office/drawing/2014/main" id="{CFD2FB53-01D2-4E6F-82C7-084D5142B802}"/>
-              </a:ext>
-            </a:extLst>
-          </p:cNvPr>
-          <p:cNvSpPr/>
-          <p:nvPr/>
-        </p:nvSpPr>
-        <p:spPr>
-          <a:xfrm>
-            <a:off x="2894698" y="2731233"/>
-            <a:ext cx="755123" cy="381884"/>
-          </a:xfrm>
-          <a:prstGeom prst="rect">
-            <a:avLst/>
-          </a:prstGeom>
-        </p:spPr>
-        <p:style>
-          <a:lnRef idx="2">
-            <a:schemeClr val="accent3">
-              <a:shade val="50000"/>
-            </a:schemeClr>
-          </a:lnRef>
-          <a:fillRef idx="1">
-            <a:schemeClr val="accent3"/>
-          </a:fillRef>
-          <a:effectRef idx="0">
-            <a:schemeClr val="accent3"/>
-          </a:effectRef>
-          <a:fontRef idx="minor">
-            <a:schemeClr val="lt1"/>
-          </a:fontRef>
-        </p:style>
-        <p:txBody>
-          <a:bodyPr rtlCol="0" anchor="ctr"/>
-          <a:lstStyle/>
-          <a:p>
-            <a:pPr algn="ctr"/>
-            <a:r>
-              <a:rPr lang="ko-KR" altLang="en-US" sz="1000" dirty="0"/>
-              <a:t>회원가입</a:t>
-            </a:r>
-          </a:p>
-        </p:txBody>
-      </p:sp>
-      <p:sp>
-        <p:nvSpPr>
-          <p:cNvPr id="178" name="다이아몬드 177">
-            <a:extLst>
-              <a:ext uri="{FF2B5EF4-FFF2-40B4-BE49-F238E27FC236}">
-                <a16:creationId xmlns:a16="http://schemas.microsoft.com/office/drawing/2014/main" id="{9A5CDB20-1CD5-4A0B-9CB3-0D36F7BC9069}"/>
-              </a:ext>
-            </a:extLst>
-          </p:cNvPr>
-          <p:cNvSpPr/>
-          <p:nvPr/>
-        </p:nvSpPr>
-        <p:spPr>
-          <a:xfrm>
-            <a:off x="1326573" y="3301255"/>
-            <a:ext cx="1110080" cy="500447"/>
-          </a:xfrm>
-          <a:prstGeom prst="diamond">
-            <a:avLst/>
-          </a:prstGeom>
-        </p:spPr>
-        <p:style>
-          <a:lnRef idx="2">
-            <a:schemeClr val="accent3">
-              <a:shade val="50000"/>
-            </a:schemeClr>
-          </a:lnRef>
-          <a:fillRef idx="1">
-            <a:schemeClr val="accent3"/>
-          </a:fillRef>
-          <a:effectRef idx="0">
-            <a:schemeClr val="accent3"/>
-          </a:effectRef>
-          <a:fontRef idx="minor">
-            <a:schemeClr val="lt1"/>
-          </a:fontRef>
-        </p:style>
-        <p:txBody>
-          <a:bodyPr rtlCol="0" anchor="ctr"/>
-          <a:lstStyle/>
-          <a:p>
-            <a:pPr algn="ctr"/>
-            <a:r>
-              <a:rPr lang="en-US" altLang="ko-KR" sz="1000" dirty="0"/>
-              <a:t>ID PW </a:t>
-            </a:r>
-            <a:r>
-              <a:rPr lang="ko-KR" altLang="en-US" sz="1000" dirty="0"/>
-              <a:t>입력</a:t>
-            </a:r>
-          </a:p>
-        </p:txBody>
-      </p:sp>
-      <p:cxnSp>
-        <p:nvCxnSpPr>
-          <p:cNvPr id="200" name="직선 화살표 연결선 199">
-            <a:extLst>
-              <a:ext uri="{FF2B5EF4-FFF2-40B4-BE49-F238E27FC236}">
-                <a16:creationId xmlns:a16="http://schemas.microsoft.com/office/drawing/2014/main" id="{2166B6AD-065D-4990-9FB5-F7D30E1DB312}"/>
-              </a:ext>
-            </a:extLst>
-          </p:cNvPr>
-          <p:cNvCxnSpPr>
-            <a:cxnSpLocks/>
-            <a:endCxn id="176" idx="0"/>
-          </p:cNvCxnSpPr>
-          <p:nvPr/>
-        </p:nvCxnSpPr>
-        <p:spPr>
-          <a:xfrm>
-            <a:off x="3272260" y="2392747"/>
-            <a:ext cx="0" cy="338486"/>
-          </a:xfrm>
-          <a:prstGeom prst="straightConnector1">
-            <a:avLst/>
-          </a:prstGeom>
-          <a:ln>
-            <a:tailEnd type="triangle"/>
-          </a:ln>
-        </p:spPr>
-        <p:style>
-          <a:lnRef idx="1">
-            <a:schemeClr val="accent1"/>
-          </a:lnRef>
-          <a:fillRef idx="0">
-            <a:schemeClr val="accent1"/>
-          </a:fillRef>
-          <a:effectRef idx="0">
-            <a:schemeClr val="accent1"/>
-          </a:effectRef>
-          <a:fontRef idx="minor">
-            <a:schemeClr val="tx1"/>
-          </a:fontRef>
-        </p:style>
-      </p:cxnSp>
-      <p:cxnSp>
-        <p:nvCxnSpPr>
-          <p:cNvPr id="205" name="직선 화살표 연결선 204">
-            <a:extLst>
-              <a:ext uri="{FF2B5EF4-FFF2-40B4-BE49-F238E27FC236}">
-                <a16:creationId xmlns:a16="http://schemas.microsoft.com/office/drawing/2014/main" id="{10D1FCB7-2799-40F3-8E92-581CDBBC4B8A}"/>
-              </a:ext>
-            </a:extLst>
-          </p:cNvPr>
-          <p:cNvCxnSpPr>
-            <a:cxnSpLocks/>
-            <a:endCxn id="178" idx="0"/>
-          </p:cNvCxnSpPr>
-          <p:nvPr/>
-        </p:nvCxnSpPr>
-        <p:spPr>
-          <a:xfrm flipH="1">
-            <a:off x="1881613" y="2407780"/>
-            <a:ext cx="4" cy="893475"/>
-          </a:xfrm>
-          <a:prstGeom prst="straightConnector1">
-            <a:avLst/>
-          </a:prstGeom>
-          <a:ln>
-            <a:tailEnd type="triangle"/>
-          </a:ln>
-        </p:spPr>
-        <p:style>
-          <a:lnRef idx="1">
-            <a:schemeClr val="accent1"/>
-          </a:lnRef>
-          <a:fillRef idx="0">
-            <a:schemeClr val="accent1"/>
-          </a:fillRef>
-          <a:effectRef idx="0">
-            <a:schemeClr val="accent1"/>
-          </a:effectRef>
-          <a:fontRef idx="minor">
-            <a:schemeClr val="tx1"/>
-          </a:fontRef>
-        </p:style>
-      </p:cxnSp>
-      <p:sp>
-        <p:nvSpPr>
-          <p:cNvPr id="5" name="직사각형 4">
-            <a:extLst>
-              <a:ext uri="{FF2B5EF4-FFF2-40B4-BE49-F238E27FC236}">
-                <a16:creationId xmlns:a16="http://schemas.microsoft.com/office/drawing/2014/main" id="{C19570F6-E099-4754-847D-20840ACB1EA9}"/>
-              </a:ext>
-            </a:extLst>
-          </p:cNvPr>
-          <p:cNvSpPr/>
-          <p:nvPr/>
-        </p:nvSpPr>
-        <p:spPr>
-          <a:xfrm>
-            <a:off x="1531533" y="2082071"/>
-            <a:ext cx="2072177" cy="321341"/>
-          </a:xfrm>
-          <a:prstGeom prst="rect">
-            <a:avLst/>
-          </a:prstGeom>
-        </p:spPr>
-        <p:style>
-          <a:lnRef idx="2">
-            <a:schemeClr val="accent3">
-              <a:shade val="50000"/>
-            </a:schemeClr>
-          </a:lnRef>
-          <a:fillRef idx="1">
-            <a:schemeClr val="accent3"/>
-          </a:fillRef>
-          <a:effectRef idx="0">
-            <a:schemeClr val="accent3"/>
-          </a:effectRef>
-          <a:fontRef idx="minor">
-            <a:schemeClr val="lt1"/>
-          </a:fontRef>
-        </p:style>
-        <p:txBody>
-          <a:bodyPr rtlCol="0" anchor="ctr"/>
-          <a:lstStyle/>
-          <a:p>
-            <a:pPr algn="ctr"/>
-            <a:r>
-              <a:rPr lang="ko-KR" altLang="en-US" sz="1000" dirty="0"/>
               <a:t>로그인</a:t>
             </a:r>
           </a:p>
@@ -15105,231 +14349,6 @@
           </a:p>
         </p:txBody>
       </p:sp>
-      <p:sp>
-        <p:nvSpPr>
-          <p:cNvPr id="222" name="직사각형 221">
-            <a:extLst>
-              <a:ext uri="{FF2B5EF4-FFF2-40B4-BE49-F238E27FC236}">
-                <a16:creationId xmlns:a16="http://schemas.microsoft.com/office/drawing/2014/main" id="{46B63C55-EE69-41BE-AAF0-288B53E96F4E}"/>
-              </a:ext>
-            </a:extLst>
-          </p:cNvPr>
-          <p:cNvSpPr/>
-          <p:nvPr/>
-        </p:nvSpPr>
-        <p:spPr>
-          <a:xfrm>
-            <a:off x="2066151" y="4391496"/>
-            <a:ext cx="755123" cy="381884"/>
-          </a:xfrm>
-          <a:prstGeom prst="rect">
-            <a:avLst/>
-          </a:prstGeom>
-        </p:spPr>
-        <p:style>
-          <a:lnRef idx="2">
-            <a:schemeClr val="accent3">
-              <a:shade val="50000"/>
-            </a:schemeClr>
-          </a:lnRef>
-          <a:fillRef idx="1">
-            <a:schemeClr val="accent3"/>
-          </a:fillRef>
-          <a:effectRef idx="0">
-            <a:schemeClr val="accent3"/>
-          </a:effectRef>
-          <a:fontRef idx="minor">
-            <a:schemeClr val="lt1"/>
-          </a:fontRef>
-        </p:style>
-        <p:txBody>
-          <a:bodyPr rtlCol="0" anchor="ctr"/>
-          <a:lstStyle/>
-          <a:p>
-            <a:pPr algn="ctr"/>
-            <a:r>
-              <a:rPr lang="ko-KR" altLang="en-US" sz="1000" dirty="0"/>
-              <a:t>일치</a:t>
-            </a:r>
-          </a:p>
-        </p:txBody>
-      </p:sp>
-      <p:sp>
-        <p:nvSpPr>
-          <p:cNvPr id="224" name="직사각형 223">
-            <a:extLst>
-              <a:ext uri="{FF2B5EF4-FFF2-40B4-BE49-F238E27FC236}">
-                <a16:creationId xmlns:a16="http://schemas.microsoft.com/office/drawing/2014/main" id="{BA20DB58-8737-4BF8-9B09-2998D9C90E30}"/>
-              </a:ext>
-            </a:extLst>
-          </p:cNvPr>
-          <p:cNvSpPr/>
-          <p:nvPr/>
-        </p:nvSpPr>
-        <p:spPr>
-          <a:xfrm>
-            <a:off x="947552" y="4391496"/>
-            <a:ext cx="755123" cy="381884"/>
-          </a:xfrm>
-          <a:prstGeom prst="rect">
-            <a:avLst/>
-          </a:prstGeom>
-        </p:spPr>
-        <p:style>
-          <a:lnRef idx="2">
-            <a:schemeClr val="accent3">
-              <a:shade val="50000"/>
-            </a:schemeClr>
-          </a:lnRef>
-          <a:fillRef idx="1">
-            <a:schemeClr val="accent3"/>
-          </a:fillRef>
-          <a:effectRef idx="0">
-            <a:schemeClr val="accent3"/>
-          </a:effectRef>
-          <a:fontRef idx="minor">
-            <a:schemeClr val="lt1"/>
-          </a:fontRef>
-        </p:style>
-        <p:txBody>
-          <a:bodyPr rtlCol="0" anchor="ctr"/>
-          <a:lstStyle/>
-          <a:p>
-            <a:pPr algn="ctr"/>
-            <a:r>
-              <a:rPr lang="ko-KR" altLang="en-US" sz="1000"/>
-              <a:t>불일치</a:t>
-            </a:r>
-            <a:endParaRPr lang="ko-KR" altLang="en-US" sz="1000" dirty="0"/>
-          </a:p>
-        </p:txBody>
-      </p:sp>
-      <p:cxnSp>
-        <p:nvCxnSpPr>
-          <p:cNvPr id="226" name="직선 화살표 연결선 225">
-            <a:extLst>
-              <a:ext uri="{FF2B5EF4-FFF2-40B4-BE49-F238E27FC236}">
-                <a16:creationId xmlns:a16="http://schemas.microsoft.com/office/drawing/2014/main" id="{006C75E2-152C-4FB4-A6BF-FA04B168813A}"/>
-              </a:ext>
-            </a:extLst>
-          </p:cNvPr>
-          <p:cNvCxnSpPr>
-            <a:stCxn id="178" idx="1"/>
-            <a:endCxn id="224" idx="0"/>
-          </p:cNvCxnSpPr>
-          <p:nvPr/>
-        </p:nvCxnSpPr>
-        <p:spPr>
-          <a:xfrm flipH="1">
-            <a:off x="1325114" y="3551479"/>
-            <a:ext cx="1459" cy="840017"/>
-          </a:xfrm>
-          <a:prstGeom prst="straightConnector1">
-            <a:avLst/>
-          </a:prstGeom>
-          <a:ln>
-            <a:tailEnd type="triangle"/>
-          </a:ln>
-        </p:spPr>
-        <p:style>
-          <a:lnRef idx="1">
-            <a:schemeClr val="accent1"/>
-          </a:lnRef>
-          <a:fillRef idx="0">
-            <a:schemeClr val="accent1"/>
-          </a:fillRef>
-          <a:effectRef idx="0">
-            <a:schemeClr val="accent1"/>
-          </a:effectRef>
-          <a:fontRef idx="minor">
-            <a:schemeClr val="tx1"/>
-          </a:fontRef>
-        </p:style>
-      </p:cxnSp>
-      <p:cxnSp>
-        <p:nvCxnSpPr>
-          <p:cNvPr id="229" name="직선 화살표 연결선 228">
-            <a:extLst>
-              <a:ext uri="{FF2B5EF4-FFF2-40B4-BE49-F238E27FC236}">
-                <a16:creationId xmlns:a16="http://schemas.microsoft.com/office/drawing/2014/main" id="{2E4F296E-C79D-4A5A-B02B-B8FDCEC3EECF}"/>
-              </a:ext>
-            </a:extLst>
-          </p:cNvPr>
-          <p:cNvCxnSpPr>
-            <a:stCxn id="178" idx="3"/>
-            <a:endCxn id="222" idx="0"/>
-          </p:cNvCxnSpPr>
-          <p:nvPr/>
-        </p:nvCxnSpPr>
-        <p:spPr>
-          <a:xfrm>
-            <a:off x="2436653" y="3551479"/>
-            <a:ext cx="7060" cy="840017"/>
-          </a:xfrm>
-          <a:prstGeom prst="straightConnector1">
-            <a:avLst/>
-          </a:prstGeom>
-          <a:ln>
-            <a:tailEnd type="triangle"/>
-          </a:ln>
-        </p:spPr>
-        <p:style>
-          <a:lnRef idx="1">
-            <a:schemeClr val="accent1"/>
-          </a:lnRef>
-          <a:fillRef idx="0">
-            <a:schemeClr val="accent1"/>
-          </a:fillRef>
-          <a:effectRef idx="0">
-            <a:schemeClr val="accent1"/>
-          </a:effectRef>
-          <a:fontRef idx="minor">
-            <a:schemeClr val="tx1"/>
-          </a:fontRef>
-        </p:style>
-      </p:cxnSp>
-      <p:cxnSp>
-        <p:nvCxnSpPr>
-          <p:cNvPr id="238" name="연결선: 구부러짐 237">
-            <a:extLst>
-              <a:ext uri="{FF2B5EF4-FFF2-40B4-BE49-F238E27FC236}">
-                <a16:creationId xmlns:a16="http://schemas.microsoft.com/office/drawing/2014/main" id="{706F0E83-D6C6-40B9-B728-582B1AE14389}"/>
-              </a:ext>
-            </a:extLst>
-          </p:cNvPr>
-          <p:cNvCxnSpPr>
-            <a:stCxn id="224" idx="3"/>
-            <a:endCxn id="178" idx="2"/>
-          </p:cNvCxnSpPr>
-          <p:nvPr/>
-        </p:nvCxnSpPr>
-        <p:spPr>
-          <a:xfrm flipV="1">
-            <a:off x="1702675" y="3801702"/>
-            <a:ext cx="178938" cy="780736"/>
-          </a:xfrm>
-          <a:prstGeom prst="curvedConnector2">
-            <a:avLst/>
-          </a:prstGeom>
-          <a:ln>
-            <a:tailEnd type="triangle"/>
-          </a:ln>
-        </p:spPr>
-        <p:style>
-          <a:lnRef idx="1">
-            <a:schemeClr val="accent1"/>
-          </a:lnRef>
-          <a:fillRef idx="0">
-            <a:schemeClr val="accent1"/>
-          </a:fillRef>
-          <a:effectRef idx="0">
-            <a:schemeClr val="accent1"/>
-          </a:effectRef>
-          <a:fontRef idx="minor">
-            <a:schemeClr val="tx1"/>
-          </a:fontRef>
-        </p:style>
-      </p:cxnSp>
       <p:sp>
         <p:nvSpPr>
           <p:cNvPr id="258" name="직사각형 257">
@@ -16272,90 +15291,6 @@
             <a:ext cx="9460" cy="270643"/>
           </a:xfrm>
           <a:prstGeom prst="straightConnector1">
-            <a:avLst/>
-          </a:prstGeom>
-          <a:ln>
-            <a:tailEnd type="triangle"/>
-          </a:ln>
-        </p:spPr>
-        <p:style>
-          <a:lnRef idx="1">
-            <a:schemeClr val="accent1"/>
-          </a:lnRef>
-          <a:fillRef idx="0">
-            <a:schemeClr val="accent1"/>
-          </a:fillRef>
-          <a:effectRef idx="0">
-            <a:schemeClr val="accent1"/>
-          </a:effectRef>
-          <a:fontRef idx="minor">
-            <a:schemeClr val="tx1"/>
-          </a:fontRef>
-        </p:style>
-      </p:cxnSp>
-      <p:cxnSp>
-        <p:nvCxnSpPr>
-          <p:cNvPr id="313" name="연결선: 꺾임 312">
-            <a:extLst>
-              <a:ext uri="{FF2B5EF4-FFF2-40B4-BE49-F238E27FC236}">
-                <a16:creationId xmlns:a16="http://schemas.microsoft.com/office/drawing/2014/main" id="{58787554-88F8-406E-ABB2-8EE6ADB9512E}"/>
-              </a:ext>
-            </a:extLst>
-          </p:cNvPr>
-          <p:cNvCxnSpPr>
-            <a:cxnSpLocks/>
-            <a:stCxn id="3" idx="1"/>
-          </p:cNvCxnSpPr>
-          <p:nvPr/>
-        </p:nvCxnSpPr>
-        <p:spPr>
-          <a:xfrm rot="10800000" flipV="1">
-            <a:off x="3307960" y="1340129"/>
-            <a:ext cx="597977" cy="718973"/>
-          </a:xfrm>
-          <a:prstGeom prst="bentConnector2">
-            <a:avLst/>
-          </a:prstGeom>
-          <a:ln>
-            <a:tailEnd type="triangle"/>
-          </a:ln>
-        </p:spPr>
-        <p:style>
-          <a:lnRef idx="1">
-            <a:schemeClr val="accent1"/>
-          </a:lnRef>
-          <a:fillRef idx="0">
-            <a:schemeClr val="accent1"/>
-          </a:fillRef>
-          <a:effectRef idx="0">
-            <a:schemeClr val="accent1"/>
-          </a:effectRef>
-          <a:fontRef idx="minor">
-            <a:schemeClr val="tx1"/>
-          </a:fontRef>
-        </p:style>
-      </p:cxnSp>
-      <p:cxnSp>
-        <p:nvCxnSpPr>
-          <p:cNvPr id="315" name="연결선: 꺾임 314">
-            <a:extLst>
-              <a:ext uri="{FF2B5EF4-FFF2-40B4-BE49-F238E27FC236}">
-                <a16:creationId xmlns:a16="http://schemas.microsoft.com/office/drawing/2014/main" id="{012FE2FE-0BDE-4ED5-A4A4-CF29EFF68510}"/>
-              </a:ext>
-            </a:extLst>
-          </p:cNvPr>
-          <p:cNvCxnSpPr>
-            <a:cxnSpLocks/>
-            <a:stCxn id="3" idx="3"/>
-          </p:cNvCxnSpPr>
-          <p:nvPr/>
-        </p:nvCxnSpPr>
-        <p:spPr>
-          <a:xfrm>
-            <a:off x="4421695" y="1340130"/>
-            <a:ext cx="124539" cy="725351"/>
-          </a:xfrm>
-          <a:prstGeom prst="bentConnector2">
             <a:avLst/>
           </a:prstGeom>
           <a:ln>
@@ -19435,26 +18370,687 @@
           </p:sp>
         </p:grpSp>
       </p:grpSp>
+      <p:sp>
+        <p:nvSpPr>
+          <p:cNvPr id="10" name="직사각형 9">
+            <a:extLst>
+              <a:ext uri="{FF2B5EF4-FFF2-40B4-BE49-F238E27FC236}">
+                <a16:creationId xmlns:a16="http://schemas.microsoft.com/office/drawing/2014/main" id="{F9390662-F5C0-4A84-978F-4050A0A69EC8}"/>
+              </a:ext>
+            </a:extLst>
+          </p:cNvPr>
+          <p:cNvSpPr/>
+          <p:nvPr/>
+        </p:nvSpPr>
+        <p:spPr>
+          <a:xfrm>
+            <a:off x="2407346" y="2886964"/>
+            <a:ext cx="1055438" cy="336631"/>
+          </a:xfrm>
+          <a:prstGeom prst="rect">
+            <a:avLst/>
+          </a:prstGeom>
+        </p:spPr>
+        <p:style>
+          <a:lnRef idx="2">
+            <a:schemeClr val="accent3">
+              <a:shade val="50000"/>
+            </a:schemeClr>
+          </a:lnRef>
+          <a:fillRef idx="1">
+            <a:schemeClr val="accent3"/>
+          </a:fillRef>
+          <a:effectRef idx="0">
+            <a:schemeClr val="accent3"/>
+          </a:effectRef>
+          <a:fontRef idx="minor">
+            <a:schemeClr val="lt1"/>
+          </a:fontRef>
+        </p:style>
+        <p:txBody>
+          <a:bodyPr rtlCol="0" anchor="ctr"/>
+          <a:lstStyle/>
+          <a:p>
+            <a:pPr algn="ctr"/>
+            <a:r>
+              <a:rPr lang="ko-KR" altLang="en-US" sz="1000"/>
+              <a:t>전화번호 입력</a:t>
+            </a:r>
+            <a:endParaRPr lang="ko-KR" altLang="en-US" sz="1000" dirty="0"/>
+          </a:p>
+        </p:txBody>
+      </p:sp>
       <p:cxnSp>
         <p:nvCxnSpPr>
-          <p:cNvPr id="485" name="연결선: 꺾임 484">
-            <a:extLst>
-              <a:ext uri="{FF2B5EF4-FFF2-40B4-BE49-F238E27FC236}">
-                <a16:creationId xmlns:a16="http://schemas.microsoft.com/office/drawing/2014/main" id="{02B5B6E3-43CD-4AC0-8B7A-FA67956989D4}"/>
-              </a:ext>
-            </a:extLst>
-          </p:cNvPr>
-          <p:cNvCxnSpPr/>
+          <p:cNvPr id="13" name="직선 화살표 연결선 12">
+            <a:extLst>
+              <a:ext uri="{FF2B5EF4-FFF2-40B4-BE49-F238E27FC236}">
+                <a16:creationId xmlns:a16="http://schemas.microsoft.com/office/drawing/2014/main" id="{DE5177AC-941C-456F-BB77-EB022F45F65D}"/>
+              </a:ext>
+            </a:extLst>
+          </p:cNvPr>
+          <p:cNvCxnSpPr>
+            <a:stCxn id="5" idx="2"/>
+            <a:endCxn id="10" idx="0"/>
+          </p:cNvCxnSpPr>
+          <p:nvPr/>
+        </p:nvCxnSpPr>
+        <p:spPr>
+          <a:xfrm flipH="1">
+            <a:off x="2935065" y="2406176"/>
+            <a:ext cx="319" cy="480788"/>
+          </a:xfrm>
+          <a:prstGeom prst="straightConnector1">
+            <a:avLst/>
+          </a:prstGeom>
+          <a:ln>
+            <a:tailEnd type="triangle"/>
+          </a:ln>
+        </p:spPr>
+        <p:style>
+          <a:lnRef idx="1">
+            <a:schemeClr val="accent1"/>
+          </a:lnRef>
+          <a:fillRef idx="0">
+            <a:schemeClr val="accent1"/>
+          </a:fillRef>
+          <a:effectRef idx="0">
+            <a:schemeClr val="accent1"/>
+          </a:effectRef>
+          <a:fontRef idx="minor">
+            <a:schemeClr val="tx1"/>
+          </a:fontRef>
+        </p:style>
+      </p:cxnSp>
+      <p:sp>
+        <p:nvSpPr>
+          <p:cNvPr id="142" name="순서도: 판단 141">
+            <a:extLst>
+              <a:ext uri="{FF2B5EF4-FFF2-40B4-BE49-F238E27FC236}">
+                <a16:creationId xmlns:a16="http://schemas.microsoft.com/office/drawing/2014/main" id="{6C59EC89-275B-4DFA-BA1A-098DA99A3B4B}"/>
+              </a:ext>
+            </a:extLst>
+          </p:cNvPr>
+          <p:cNvSpPr/>
+          <p:nvPr/>
+        </p:nvSpPr>
+        <p:spPr>
+          <a:xfrm>
+            <a:off x="310581" y="2720637"/>
+            <a:ext cx="896964" cy="347168"/>
+          </a:xfrm>
+          <a:prstGeom prst="flowChartDecision">
+            <a:avLst/>
+          </a:prstGeom>
+        </p:spPr>
+        <p:style>
+          <a:lnRef idx="2">
+            <a:schemeClr val="accent3">
+              <a:shade val="50000"/>
+            </a:schemeClr>
+          </a:lnRef>
+          <a:fillRef idx="1">
+            <a:schemeClr val="accent3"/>
+          </a:fillRef>
+          <a:effectRef idx="0">
+            <a:schemeClr val="accent3"/>
+          </a:effectRef>
+          <a:fontRef idx="minor">
+            <a:schemeClr val="lt1"/>
+          </a:fontRef>
+        </p:style>
+        <p:txBody>
+          <a:bodyPr rtlCol="0" anchor="ctr"/>
+          <a:lstStyle/>
+          <a:p>
+            <a:pPr algn="ctr"/>
+            <a:r>
+              <a:rPr lang="ko-KR" altLang="en-US" sz="1000" dirty="0"/>
+              <a:t>알림 목록</a:t>
+            </a:r>
+          </a:p>
+        </p:txBody>
+      </p:sp>
+      <p:cxnSp>
+        <p:nvCxnSpPr>
+          <p:cNvPr id="143" name="직선 화살표 연결선 142">
+            <a:extLst>
+              <a:ext uri="{FF2B5EF4-FFF2-40B4-BE49-F238E27FC236}">
+                <a16:creationId xmlns:a16="http://schemas.microsoft.com/office/drawing/2014/main" id="{F8DFF380-A434-476D-887C-E3E5C0438643}"/>
+              </a:ext>
+            </a:extLst>
+          </p:cNvPr>
+          <p:cNvCxnSpPr>
+            <a:stCxn id="141" idx="2"/>
+          </p:cNvCxnSpPr>
           <p:nvPr/>
         </p:nvCxnSpPr>
         <p:spPr>
           <a:xfrm>
-            <a:off x="4417991" y="1211580"/>
-            <a:ext cx="2638129" cy="847522"/>
+            <a:off x="773724" y="2373032"/>
+            <a:ext cx="1" cy="357027"/>
+          </a:xfrm>
+          <a:prstGeom prst="straightConnector1">
+            <a:avLst/>
+          </a:prstGeom>
+          <a:ln>
+            <a:tailEnd type="triangle"/>
+          </a:ln>
+        </p:spPr>
+        <p:style>
+          <a:lnRef idx="1">
+            <a:schemeClr val="accent1"/>
+          </a:lnRef>
+          <a:fillRef idx="0">
+            <a:schemeClr val="accent1"/>
+          </a:fillRef>
+          <a:effectRef idx="0">
+            <a:schemeClr val="accent1"/>
+          </a:effectRef>
+          <a:fontRef idx="minor">
+            <a:schemeClr val="tx1"/>
+          </a:fontRef>
+        </p:style>
+      </p:cxnSp>
+      <p:grpSp>
+        <p:nvGrpSpPr>
+          <p:cNvPr id="43" name="그룹 42">
+            <a:extLst>
+              <a:ext uri="{FF2B5EF4-FFF2-40B4-BE49-F238E27FC236}">
+                <a16:creationId xmlns:a16="http://schemas.microsoft.com/office/drawing/2014/main" id="{604EB8B9-8F4C-4BD8-A42E-C5F322E4AB8A}"/>
+              </a:ext>
+            </a:extLst>
+          </p:cNvPr>
+          <p:cNvGrpSpPr/>
+          <p:nvPr/>
+        </p:nvGrpSpPr>
+        <p:grpSpPr>
+          <a:xfrm>
+            <a:off x="520567" y="2086117"/>
+            <a:ext cx="506314" cy="286915"/>
+            <a:chOff x="375945" y="2086117"/>
+            <a:chExt cx="506314" cy="286915"/>
+          </a:xfrm>
+        </p:grpSpPr>
+        <p:sp>
+          <p:nvSpPr>
+            <p:cNvPr id="141" name="직사각형 140">
+              <a:extLst>
+                <a:ext uri="{FF2B5EF4-FFF2-40B4-BE49-F238E27FC236}">
+                  <a16:creationId xmlns:a16="http://schemas.microsoft.com/office/drawing/2014/main" id="{16A41AE0-8229-4AE0-ADB3-ABB344E1B988}"/>
+                </a:ext>
+              </a:extLst>
+            </p:cNvPr>
+            <p:cNvSpPr/>
+            <p:nvPr/>
+          </p:nvSpPr>
+          <p:spPr>
+            <a:xfrm>
+              <a:off x="375945" y="2086117"/>
+              <a:ext cx="506314" cy="286915"/>
+            </a:xfrm>
+            <a:prstGeom prst="rect">
+              <a:avLst/>
+            </a:prstGeom>
+          </p:spPr>
+          <p:style>
+            <a:lnRef idx="2">
+              <a:schemeClr val="accent3">
+                <a:shade val="50000"/>
+              </a:schemeClr>
+            </a:lnRef>
+            <a:fillRef idx="1">
+              <a:schemeClr val="accent3"/>
+            </a:fillRef>
+            <a:effectRef idx="0">
+              <a:schemeClr val="accent3"/>
+            </a:effectRef>
+            <a:fontRef idx="minor">
+              <a:schemeClr val="lt1"/>
+            </a:fontRef>
+          </p:style>
+          <p:txBody>
+            <a:bodyPr rtlCol="0" anchor="ctr"/>
+            <a:lstStyle/>
+            <a:p>
+              <a:pPr algn="ctr"/>
+              <a:endParaRPr lang="ko-KR" altLang="en-US" sz="2400" dirty="0"/>
+            </a:p>
+          </p:txBody>
+        </p:sp>
+        <p:pic>
+          <p:nvPicPr>
+            <p:cNvPr id="144" name="그래픽 143" descr="벨소리">
+              <a:extLst>
+                <a:ext uri="{FF2B5EF4-FFF2-40B4-BE49-F238E27FC236}">
+                  <a16:creationId xmlns:a16="http://schemas.microsoft.com/office/drawing/2014/main" id="{DA2FDD92-C1D5-433D-AE76-B2BBF918DEE0}"/>
+                </a:ext>
+              </a:extLst>
+            </p:cNvPr>
+            <p:cNvPicPr>
+              <a:picLocks noChangeAspect="1"/>
+            </p:cNvPicPr>
+            <p:nvPr/>
+          </p:nvPicPr>
+          <p:blipFill>
+            <a:blip r:embed="rId5">
+              <a:extLst>
+                <a:ext uri="{28A0092B-C50C-407E-A947-70E740481C1C}">
+                  <a14:useLocalDpi xmlns:a14="http://schemas.microsoft.com/office/drawing/2010/main" val="0"/>
+                </a:ext>
+                <a:ext uri="{96DAC541-7B7A-43D3-8B79-37D633B846F1}">
+                  <asvg:svgBlip xmlns:asvg="http://schemas.microsoft.com/office/drawing/2016/SVG/main" r:embed="rId6"/>
+                </a:ext>
+              </a:extLst>
+            </a:blip>
+            <a:stretch>
+              <a:fillRect/>
+            </a:stretch>
+          </p:blipFill>
+          <p:spPr>
+            <a:xfrm>
+              <a:off x="548952" y="2133700"/>
+              <a:ext cx="189526" cy="189526"/>
+            </a:xfrm>
+            <a:prstGeom prst="rect">
+              <a:avLst/>
+            </a:prstGeom>
+          </p:spPr>
+        </p:pic>
+      </p:grpSp>
+      <p:sp>
+        <p:nvSpPr>
+          <p:cNvPr id="145" name="직사각형 144">
+            <a:extLst>
+              <a:ext uri="{FF2B5EF4-FFF2-40B4-BE49-F238E27FC236}">
+                <a16:creationId xmlns:a16="http://schemas.microsoft.com/office/drawing/2014/main" id="{4989F887-0F30-4BBC-8DB1-C238713931B8}"/>
+              </a:ext>
+            </a:extLst>
+          </p:cNvPr>
+          <p:cNvSpPr/>
+          <p:nvPr/>
+        </p:nvSpPr>
+        <p:spPr>
+          <a:xfrm>
+            <a:off x="484003" y="3606223"/>
+            <a:ext cx="556945" cy="286915"/>
+          </a:xfrm>
+          <a:prstGeom prst="rect">
+            <a:avLst/>
+          </a:prstGeom>
+        </p:spPr>
+        <p:style>
+          <a:lnRef idx="2">
+            <a:schemeClr val="accent3">
+              <a:shade val="50000"/>
+            </a:schemeClr>
+          </a:lnRef>
+          <a:fillRef idx="1">
+            <a:schemeClr val="accent3"/>
+          </a:fillRef>
+          <a:effectRef idx="0">
+            <a:schemeClr val="accent3"/>
+          </a:effectRef>
+          <a:fontRef idx="minor">
+            <a:schemeClr val="lt1"/>
+          </a:fontRef>
+        </p:style>
+        <p:txBody>
+          <a:bodyPr rtlCol="0" anchor="ctr"/>
+          <a:lstStyle/>
+          <a:p>
+            <a:pPr algn="ctr"/>
+            <a:r>
+              <a:rPr lang="en-US" altLang="ko-KR" sz="1600" dirty="0"/>
+              <a:t>&gt;</a:t>
+            </a:r>
+            <a:endParaRPr lang="ko-KR" altLang="en-US" sz="1600" dirty="0"/>
+          </a:p>
+        </p:txBody>
+      </p:sp>
+      <p:sp>
+        <p:nvSpPr>
+          <p:cNvPr id="146" name="직사각형 145">
+            <a:extLst>
+              <a:ext uri="{FF2B5EF4-FFF2-40B4-BE49-F238E27FC236}">
+                <a16:creationId xmlns:a16="http://schemas.microsoft.com/office/drawing/2014/main" id="{877EC5CF-560E-4D5B-B305-D3B7BDE8AE8F}"/>
+              </a:ext>
+            </a:extLst>
+          </p:cNvPr>
+          <p:cNvSpPr/>
+          <p:nvPr/>
+        </p:nvSpPr>
+        <p:spPr>
+          <a:xfrm>
+            <a:off x="1457634" y="2744888"/>
+            <a:ext cx="741293" cy="286915"/>
+          </a:xfrm>
+          <a:prstGeom prst="rect">
+            <a:avLst/>
+          </a:prstGeom>
+        </p:spPr>
+        <p:style>
+          <a:lnRef idx="2">
+            <a:schemeClr val="accent3">
+              <a:shade val="50000"/>
+            </a:schemeClr>
+          </a:lnRef>
+          <a:fillRef idx="1">
+            <a:schemeClr val="accent3"/>
+          </a:fillRef>
+          <a:effectRef idx="0">
+            <a:schemeClr val="accent3"/>
+          </a:effectRef>
+          <a:fontRef idx="minor">
+            <a:schemeClr val="lt1"/>
+          </a:fontRef>
+        </p:style>
+        <p:txBody>
+          <a:bodyPr rtlCol="0" anchor="ctr"/>
+          <a:lstStyle/>
+          <a:p>
+            <a:pPr algn="ctr"/>
+            <a:r>
+              <a:rPr lang="ko-KR" altLang="en-US" sz="1000" dirty="0"/>
+              <a:t>삭제</a:t>
+            </a:r>
+          </a:p>
+        </p:txBody>
+      </p:sp>
+      <p:sp>
+        <p:nvSpPr>
+          <p:cNvPr id="147" name="직사각형 146">
+            <a:extLst>
+              <a:ext uri="{FF2B5EF4-FFF2-40B4-BE49-F238E27FC236}">
+                <a16:creationId xmlns:a16="http://schemas.microsoft.com/office/drawing/2014/main" id="{46D639BB-024F-482B-85B9-2AA8A4BA0180}"/>
+              </a:ext>
+            </a:extLst>
+          </p:cNvPr>
+          <p:cNvSpPr/>
+          <p:nvPr/>
+        </p:nvSpPr>
+        <p:spPr>
+          <a:xfrm>
+            <a:off x="473625" y="4244080"/>
+            <a:ext cx="556945" cy="286915"/>
+          </a:xfrm>
+          <a:prstGeom prst="rect">
+            <a:avLst/>
+          </a:prstGeom>
+        </p:spPr>
+        <p:style>
+          <a:lnRef idx="2">
+            <a:schemeClr val="accent3">
+              <a:shade val="50000"/>
+            </a:schemeClr>
+          </a:lnRef>
+          <a:fillRef idx="1">
+            <a:schemeClr val="accent3"/>
+          </a:fillRef>
+          <a:effectRef idx="0">
+            <a:schemeClr val="accent3"/>
+          </a:effectRef>
+          <a:fontRef idx="minor">
+            <a:schemeClr val="lt1"/>
+          </a:fontRef>
+        </p:style>
+        <p:txBody>
+          <a:bodyPr rtlCol="0" anchor="ctr"/>
+          <a:lstStyle/>
+          <a:p>
+            <a:pPr algn="ctr"/>
+            <a:r>
+              <a:rPr lang="en-US" altLang="ko-KR" sz="900" dirty="0"/>
+              <a:t>History</a:t>
+            </a:r>
+            <a:endParaRPr lang="ko-KR" altLang="en-US" sz="900" dirty="0"/>
+          </a:p>
+        </p:txBody>
+      </p:sp>
+      <p:sp>
+        <p:nvSpPr>
+          <p:cNvPr id="148" name="직사각형 147">
+            <a:extLst>
+              <a:ext uri="{FF2B5EF4-FFF2-40B4-BE49-F238E27FC236}">
+                <a16:creationId xmlns:a16="http://schemas.microsoft.com/office/drawing/2014/main" id="{151D1996-FCF7-457C-AE50-A04A232A90FB}"/>
+              </a:ext>
+            </a:extLst>
+          </p:cNvPr>
+          <p:cNvSpPr/>
+          <p:nvPr/>
+        </p:nvSpPr>
+        <p:spPr>
+          <a:xfrm>
+            <a:off x="483578" y="4817248"/>
+            <a:ext cx="556945" cy="286915"/>
+          </a:xfrm>
+          <a:prstGeom prst="rect">
+            <a:avLst/>
+          </a:prstGeom>
+        </p:spPr>
+        <p:style>
+          <a:lnRef idx="2">
+            <a:schemeClr val="accent3">
+              <a:shade val="50000"/>
+            </a:schemeClr>
+          </a:lnRef>
+          <a:fillRef idx="1">
+            <a:schemeClr val="accent3"/>
+          </a:fillRef>
+          <a:effectRef idx="0">
+            <a:schemeClr val="accent3"/>
+          </a:effectRef>
+          <a:fontRef idx="minor">
+            <a:schemeClr val="lt1"/>
+          </a:fontRef>
+        </p:style>
+        <p:txBody>
+          <a:bodyPr rtlCol="0" anchor="ctr"/>
+          <a:lstStyle/>
+          <a:p>
+            <a:pPr algn="ctr"/>
+            <a:r>
+              <a:rPr lang="en-US" altLang="ko-KR" sz="1000" dirty="0"/>
+              <a:t>Back</a:t>
+            </a:r>
+            <a:endParaRPr lang="ko-KR" altLang="en-US" sz="1000" dirty="0"/>
+          </a:p>
+        </p:txBody>
+      </p:sp>
+      <p:cxnSp>
+        <p:nvCxnSpPr>
+          <p:cNvPr id="150" name="직선 화살표 연결선 149">
+            <a:extLst>
+              <a:ext uri="{FF2B5EF4-FFF2-40B4-BE49-F238E27FC236}">
+                <a16:creationId xmlns:a16="http://schemas.microsoft.com/office/drawing/2014/main" id="{168C1064-61C4-4C50-B268-EACAEFAA1E48}"/>
+              </a:ext>
+            </a:extLst>
+          </p:cNvPr>
+          <p:cNvCxnSpPr>
+            <a:stCxn id="145" idx="2"/>
+            <a:endCxn id="147" idx="0"/>
+          </p:cNvCxnSpPr>
+          <p:nvPr/>
+        </p:nvCxnSpPr>
+        <p:spPr>
+          <a:xfrm flipH="1">
+            <a:off x="752098" y="3893138"/>
+            <a:ext cx="10378" cy="350942"/>
+          </a:xfrm>
+          <a:prstGeom prst="straightConnector1">
+            <a:avLst/>
+          </a:prstGeom>
+          <a:ln>
+            <a:tailEnd type="triangle"/>
+          </a:ln>
+        </p:spPr>
+        <p:style>
+          <a:lnRef idx="1">
+            <a:schemeClr val="accent1"/>
+          </a:lnRef>
+          <a:fillRef idx="0">
+            <a:schemeClr val="accent1"/>
+          </a:fillRef>
+          <a:effectRef idx="0">
+            <a:schemeClr val="accent1"/>
+          </a:effectRef>
+          <a:fontRef idx="minor">
+            <a:schemeClr val="tx1"/>
+          </a:fontRef>
+        </p:style>
+      </p:cxnSp>
+      <p:cxnSp>
+        <p:nvCxnSpPr>
+          <p:cNvPr id="151" name="직선 화살표 연결선 150">
+            <a:extLst>
+              <a:ext uri="{FF2B5EF4-FFF2-40B4-BE49-F238E27FC236}">
+                <a16:creationId xmlns:a16="http://schemas.microsoft.com/office/drawing/2014/main" id="{8A59D7DC-4E2C-4672-BE3B-A87A41C591A9}"/>
+              </a:ext>
+            </a:extLst>
+          </p:cNvPr>
+          <p:cNvCxnSpPr>
+            <a:stCxn id="147" idx="2"/>
+            <a:endCxn id="148" idx="0"/>
+          </p:cNvCxnSpPr>
+          <p:nvPr/>
+        </p:nvCxnSpPr>
+        <p:spPr>
+          <a:xfrm>
+            <a:off x="752098" y="4530995"/>
+            <a:ext cx="9953" cy="286253"/>
+          </a:xfrm>
+          <a:prstGeom prst="straightConnector1">
+            <a:avLst/>
+          </a:prstGeom>
+          <a:ln>
+            <a:tailEnd type="triangle"/>
+          </a:ln>
+        </p:spPr>
+        <p:style>
+          <a:lnRef idx="1">
+            <a:schemeClr val="accent1"/>
+          </a:lnRef>
+          <a:fillRef idx="0">
+            <a:schemeClr val="accent1"/>
+          </a:fillRef>
+          <a:effectRef idx="0">
+            <a:schemeClr val="accent1"/>
+          </a:effectRef>
+          <a:fontRef idx="minor">
+            <a:schemeClr val="tx1"/>
+          </a:fontRef>
+        </p:style>
+      </p:cxnSp>
+      <p:cxnSp>
+        <p:nvCxnSpPr>
+          <p:cNvPr id="46" name="직선 화살표 연결선 45">
+            <a:extLst>
+              <a:ext uri="{FF2B5EF4-FFF2-40B4-BE49-F238E27FC236}">
+                <a16:creationId xmlns:a16="http://schemas.microsoft.com/office/drawing/2014/main" id="{7DA9A7DE-4514-4E91-8691-4BC2F6E606AD}"/>
+              </a:ext>
+            </a:extLst>
+          </p:cNvPr>
+          <p:cNvCxnSpPr>
+            <a:cxnSpLocks/>
+            <a:stCxn id="142" idx="2"/>
+            <a:endCxn id="145" idx="0"/>
+          </p:cNvCxnSpPr>
+          <p:nvPr/>
+        </p:nvCxnSpPr>
+        <p:spPr>
+          <a:xfrm>
+            <a:off x="759063" y="3067805"/>
+            <a:ext cx="3413" cy="538418"/>
+          </a:xfrm>
+          <a:prstGeom prst="straightConnector1">
+            <a:avLst/>
+          </a:prstGeom>
+          <a:ln>
+            <a:tailEnd type="triangle"/>
+          </a:ln>
+        </p:spPr>
+        <p:style>
+          <a:lnRef idx="1">
+            <a:schemeClr val="accent1"/>
+          </a:lnRef>
+          <a:fillRef idx="0">
+            <a:schemeClr val="accent1"/>
+          </a:fillRef>
+          <a:effectRef idx="0">
+            <a:schemeClr val="accent1"/>
+          </a:effectRef>
+          <a:fontRef idx="minor">
+            <a:schemeClr val="tx1"/>
+          </a:fontRef>
+        </p:style>
+      </p:cxnSp>
+      <p:cxnSp>
+        <p:nvCxnSpPr>
+          <p:cNvPr id="53" name="직선 화살표 연결선 52">
+            <a:extLst>
+              <a:ext uri="{FF2B5EF4-FFF2-40B4-BE49-F238E27FC236}">
+                <a16:creationId xmlns:a16="http://schemas.microsoft.com/office/drawing/2014/main" id="{F8252FAF-3F6D-4837-990F-67A849D23AEE}"/>
+              </a:ext>
+            </a:extLst>
+          </p:cNvPr>
+          <p:cNvCxnSpPr>
+            <a:cxnSpLocks/>
+            <a:stCxn id="142" idx="3"/>
+            <a:endCxn id="146" idx="1"/>
+          </p:cNvCxnSpPr>
+          <p:nvPr/>
+        </p:nvCxnSpPr>
+        <p:spPr>
+          <a:xfrm flipV="1">
+            <a:off x="1207545" y="2888346"/>
+            <a:ext cx="250089" cy="5875"/>
+          </a:xfrm>
+          <a:prstGeom prst="straightConnector1">
+            <a:avLst/>
+          </a:prstGeom>
+          <a:ln>
+            <a:tailEnd type="triangle"/>
+          </a:ln>
+        </p:spPr>
+        <p:style>
+          <a:lnRef idx="1">
+            <a:schemeClr val="accent1"/>
+          </a:lnRef>
+          <a:fillRef idx="0">
+            <a:schemeClr val="accent1"/>
+          </a:fillRef>
+          <a:effectRef idx="0">
+            <a:schemeClr val="accent1"/>
+          </a:effectRef>
+          <a:fontRef idx="minor">
+            <a:schemeClr val="tx1"/>
+          </a:fontRef>
+        </p:style>
+      </p:cxnSp>
+      <p:cxnSp>
+        <p:nvCxnSpPr>
+          <p:cNvPr id="61" name="연결선: 꺾임 60">
+            <a:extLst>
+              <a:ext uri="{FF2B5EF4-FFF2-40B4-BE49-F238E27FC236}">
+                <a16:creationId xmlns:a16="http://schemas.microsoft.com/office/drawing/2014/main" id="{A77609DD-E36C-47CC-891B-C2EF146C88D3}"/>
+              </a:ext>
+            </a:extLst>
+          </p:cNvPr>
+          <p:cNvCxnSpPr>
+            <a:cxnSpLocks/>
+            <a:stCxn id="148" idx="1"/>
+            <a:endCxn id="2" idx="1"/>
+          </p:cNvCxnSpPr>
+          <p:nvPr/>
+        </p:nvCxnSpPr>
+        <p:spPr>
+          <a:xfrm rot="10800000" flipH="1">
+            <a:off x="483578" y="1065418"/>
+            <a:ext cx="5094578" cy="3895288"/>
           </a:xfrm>
           <a:prstGeom prst="bentConnector3">
             <a:avLst>
-              <a:gd name="adj1" fmla="val 99970"/>
+              <a:gd name="adj1" fmla="val -4487"/>
             </a:avLst>
           </a:prstGeom>
           <a:ln>
@@ -19478,69 +19074,26 @@
       </p:cxnSp>
       <p:cxnSp>
         <p:nvCxnSpPr>
-          <p:cNvPr id="490" name="연결선: 꺾임 489">
-            <a:extLst>
-              <a:ext uri="{FF2B5EF4-FFF2-40B4-BE49-F238E27FC236}">
-                <a16:creationId xmlns:a16="http://schemas.microsoft.com/office/drawing/2014/main" id="{0B383273-4F57-4A42-BAE1-E47005CCAD4E}"/>
+          <p:cNvPr id="88" name="연결선: 꺾임 87">
+            <a:extLst>
+              <a:ext uri="{FF2B5EF4-FFF2-40B4-BE49-F238E27FC236}">
+                <a16:creationId xmlns:a16="http://schemas.microsoft.com/office/drawing/2014/main" id="{F99C5393-3D11-4E5C-ADB5-549856FFE5CB}"/>
               </a:ext>
             </a:extLst>
           </p:cNvPr>
           <p:cNvCxnSpPr>
-            <a:cxnSpLocks/>
+            <a:stCxn id="10" idx="1"/>
           </p:cNvCxnSpPr>
           <p:nvPr/>
         </p:nvCxnSpPr>
         <p:spPr>
-          <a:xfrm>
-            <a:off x="4421695" y="1271550"/>
-            <a:ext cx="3864370" cy="1106628"/>
+          <a:xfrm rot="10800000" flipH="1">
+            <a:off x="2407346" y="1147482"/>
+            <a:ext cx="3170810" cy="1907798"/>
           </a:xfrm>
           <a:prstGeom prst="bentConnector3">
             <a:avLst>
-              <a:gd name="adj1" fmla="val 100085"/>
-            </a:avLst>
-          </a:prstGeom>
-          <a:ln>
-            <a:tailEnd type="triangle"/>
-          </a:ln>
-        </p:spPr>
-        <p:style>
-          <a:lnRef idx="1">
-            <a:schemeClr val="accent1"/>
-          </a:lnRef>
-          <a:fillRef idx="0">
-            <a:schemeClr val="accent1"/>
-          </a:fillRef>
-          <a:effectRef idx="0">
-            <a:schemeClr val="accent1"/>
-          </a:effectRef>
-          <a:fontRef idx="minor">
-            <a:schemeClr val="tx1"/>
-          </a:fontRef>
-        </p:style>
-      </p:cxnSp>
-      <p:cxnSp>
-        <p:nvCxnSpPr>
-          <p:cNvPr id="494" name="연결선: 꺾임 493">
-            <a:extLst>
-              <a:ext uri="{FF2B5EF4-FFF2-40B4-BE49-F238E27FC236}">
-                <a16:creationId xmlns:a16="http://schemas.microsoft.com/office/drawing/2014/main" id="{3ABE13E9-9EB4-48AF-9097-20663CADAD83}"/>
-              </a:ext>
-            </a:extLst>
-          </p:cNvPr>
-          <p:cNvCxnSpPr>
-            <a:cxnSpLocks/>
-          </p:cNvCxnSpPr>
-          <p:nvPr/>
-        </p:nvCxnSpPr>
-        <p:spPr>
-          <a:xfrm>
-            <a:off x="4421695" y="1408710"/>
-            <a:ext cx="5251250" cy="671831"/>
-          </a:xfrm>
-          <a:prstGeom prst="bentConnector3">
-            <a:avLst>
-              <a:gd name="adj1" fmla="val 99917"/>
+              <a:gd name="adj1" fmla="val -2294"/>
             </a:avLst>
           </a:prstGeom>
           <a:ln>
